--- a/IBAMR Lectures/5-IBFE Lecture – Plans for June.pptx
+++ b/IBAMR Lectures/5-IBFE Lecture – Plans for June.pptx
@@ -5,7 +5,7 @@
     <p:sldMasterId id="2147483648" r:id="rId1"/>
   </p:sldMasterIdLst>
   <p:notesMasterIdLst>
-    <p:notesMasterId r:id="rId14"/>
+    <p:notesMasterId r:id="rId15"/>
   </p:notesMasterIdLst>
   <p:sldIdLst>
     <p:sldId id="256" r:id="rId2"/>
@@ -20,6 +20,7 @@
     <p:sldId id="266" r:id="rId11"/>
     <p:sldId id="267" r:id="rId12"/>
     <p:sldId id="268" r:id="rId13"/>
+    <p:sldId id="269" r:id="rId14"/>
   </p:sldIdLst>
   <p:sldSz cx="12192000" cy="6858000"/>
   <p:notesSz cx="6858000" cy="9144000"/>
@@ -118,6 +119,11 @@
       </a:defRPr>
     </a:lvl9pPr>
   </p:defaultTextStyle>
+  <p:extLst>
+    <p:ext uri="{EFAFB233-063F-42B5-8137-9DF3F51BA10A}">
+      <p15:sldGuideLst xmlns:p15="http://schemas.microsoft.com/office/powerpoint/2012/main"/>
+    </p:ext>
+  </p:extLst>
 </p:presentation>
 </file>
 
@@ -4424,7 +4430,15 @@
             <a:pPr lvl="1"/>
             <a:r>
               <a:rPr lang="en-US" dirty="0" smtClean="0"/>
-              <a:t>And then move to Autodesk (free for academics): </a:t>
+              <a:t>And then move to </a:t>
+            </a:r>
+            <a:r>
+              <a:rPr lang="en-US" dirty="0" smtClean="0"/>
+              <a:t>Autodesk Fusion </a:t>
+            </a:r>
+            <a:r>
+              <a:rPr lang="en-US" dirty="0" smtClean="0"/>
+              <a:t>(free for academics): </a:t>
             </a:r>
             <a:r>
               <a:rPr lang="en-US" dirty="0" smtClean="0">
@@ -4444,6 +4458,118 @@
     <p:extLst>
       <p:ext uri="{BB962C8B-B14F-4D97-AF65-F5344CB8AC3E}">
         <p14:creationId xmlns:p14="http://schemas.microsoft.com/office/powerpoint/2010/main" val="3891833760"/>
+      </p:ext>
+    </p:extLst>
+  </p:cSld>
+  <p:clrMapOvr>
+    <a:masterClrMapping/>
+  </p:clrMapOvr>
+</p:sld>
+</file>
+
+<file path=ppt/slides/slide13.xml><?xml version="1.0" encoding="utf-8"?>
+<p:sld xmlns:a="http://schemas.openxmlformats.org/drawingml/2006/main" xmlns:r="http://schemas.openxmlformats.org/officeDocument/2006/relationships" xmlns:p="http://schemas.openxmlformats.org/presentationml/2006/main">
+  <p:cSld>
+    <p:spTree>
+      <p:nvGrpSpPr>
+        <p:cNvPr id="1" name=""/>
+        <p:cNvGrpSpPr/>
+        <p:nvPr/>
+      </p:nvGrpSpPr>
+      <p:grpSpPr>
+        <a:xfrm>
+          <a:off x="0" y="0"/>
+          <a:ext cx="0" cy="0"/>
+          <a:chOff x="0" y="0"/>
+          <a:chExt cx="0" cy="0"/>
+        </a:xfrm>
+      </p:grpSpPr>
+      <p:sp>
+        <p:nvSpPr>
+          <p:cNvPr id="2" name="Title 1"/>
+          <p:cNvSpPr>
+            <a:spLocks noGrp="1"/>
+          </p:cNvSpPr>
+          <p:nvPr>
+            <p:ph type="title"/>
+          </p:nvPr>
+        </p:nvSpPr>
+        <p:spPr/>
+        <p:txBody>
+          <a:bodyPr/>
+          <a:lstStyle/>
+          <a:p>
+            <a:r>
+              <a:rPr lang="en-US" b="1" dirty="0" smtClean="0"/>
+              <a:t>Shannon Jones’s </a:t>
+            </a:r>
+            <a:r>
+              <a:rPr lang="en-US" b="1" dirty="0" err="1" smtClean="0"/>
+              <a:t>youtube</a:t>
+            </a:r>
+            <a:r>
+              <a:rPr lang="en-US" b="1" dirty="0" smtClean="0"/>
+              <a:t> channe</a:t>
+            </a:r>
+            <a:r>
+              <a:rPr lang="en-US" b="1" dirty="0"/>
+              <a:t>l</a:t>
+            </a:r>
+          </a:p>
+        </p:txBody>
+      </p:sp>
+      <p:sp>
+        <p:nvSpPr>
+          <p:cNvPr id="3" name="Content Placeholder 2"/>
+          <p:cNvSpPr>
+            <a:spLocks noGrp="1"/>
+          </p:cNvSpPr>
+          <p:nvPr>
+            <p:ph idx="1"/>
+          </p:nvPr>
+        </p:nvSpPr>
+        <p:spPr/>
+        <p:txBody>
+          <a:bodyPr/>
+          <a:lstStyle/>
+          <a:p>
+            <a:r>
+              <a:rPr lang="en-US" dirty="0">
+                <a:hlinkClick r:id="rId2"/>
+              </a:rPr>
+              <a:t>https://</a:t>
+            </a:r>
+            <a:r>
+              <a:rPr lang="en-US" dirty="0" smtClean="0">
+                <a:hlinkClick r:id="rId2"/>
+              </a:rPr>
+              <a:t>www.youtube.com/channel/UC04G0vw4uKhLYiBbcgHqWrg</a:t>
+            </a:r>
+            <a:endParaRPr lang="en-US" dirty="0" smtClean="0"/>
+          </a:p>
+          <a:p>
+            <a:r>
+              <a:rPr lang="en-US" dirty="0" smtClean="0"/>
+              <a:t>Watch plotting a FE mesh.</a:t>
+            </a:r>
+          </a:p>
+          <a:p>
+            <a:r>
+              <a:rPr lang="en-US" dirty="0" smtClean="0"/>
+              <a:t>Also look at 1, 2, and 3 for recording </a:t>
+            </a:r>
+            <a:r>
+              <a:rPr lang="en-US" smtClean="0"/>
+              <a:t>to python.</a:t>
+            </a:r>
+            <a:endParaRPr lang="en-US" dirty="0"/>
+          </a:p>
+        </p:txBody>
+      </p:sp>
+    </p:spTree>
+    <p:extLst>
+      <p:ext uri="{BB962C8B-B14F-4D97-AF65-F5344CB8AC3E}">
+        <p14:creationId xmlns:p14="http://schemas.microsoft.com/office/powerpoint/2010/main" val="3625809078"/>
       </p:ext>
     </p:extLst>
   </p:cSld>
@@ -5137,7 +5263,6 @@
               <a:rPr lang="en" sz="1333" dirty="0"/>
               <a:t>Get various standard options set in the input file.	</a:t>
             </a:r>
-            <a:endParaRPr lang="en" sz="1333" dirty="0"/>
           </a:p>
           <a:p>
             <a:pPr marL="0" indent="0">
@@ -5221,7 +5346,6 @@
               <a:rPr lang="en" sz="1333" dirty="0"/>
               <a:t>	</a:t>
             </a:r>
-            <a:endParaRPr lang="en" sz="1333" dirty="0"/>
           </a:p>
           <a:p>
             <a:pPr marL="0" indent="0">
